--- a/presentations/04. Makine öğrenmesi tekniklerinin sınıflandırılması.pptx
+++ b/presentations/04. Makine öğrenmesi tekniklerinin sınıflandırılması.pptx
@@ -117,6 +117,11 @@
       </a:defRPr>
     </a:lvl9pPr>
   </p:defaultTextStyle>
+  <p:extLst>
+    <p:ext uri="{EFAFB233-063F-42B5-8137-9DF3F51BA10A}">
+      <p15:sldGuideLst xmlns:p15="http://schemas.microsoft.com/office/powerpoint/2012/main"/>
+    </p:ext>
+  </p:extLst>
 </p:presentation>
 </file>
 
@@ -3630,6 +3635,42 @@
           </a:p>
         </p:txBody>
       </p:sp>
+      <p:pic>
+        <p:nvPicPr>
+          <p:cNvPr id="8" name="Resim 7">
+            <a:extLst>
+              <a:ext uri="{FF2B5EF4-FFF2-40B4-BE49-F238E27FC236}">
+                <a16:creationId xmlns:a16="http://schemas.microsoft.com/office/drawing/2014/main" id="{79463338-C115-4D74-8D6F-89506B161439}"/>
+              </a:ext>
+            </a:extLst>
+          </p:cNvPr>
+          <p:cNvPicPr>
+            <a:picLocks noChangeAspect="1"/>
+          </p:cNvPicPr>
+          <p:nvPr/>
+        </p:nvPicPr>
+        <p:blipFill>
+          <a:blip r:embed="rId4">
+            <a:extLst>
+              <a:ext uri="{28A0092B-C50C-407E-A947-70E740481C1C}">
+                <a14:useLocalDpi xmlns:a14="http://schemas.microsoft.com/office/drawing/2010/main" val="0"/>
+              </a:ext>
+            </a:extLst>
+          </a:blip>
+          <a:stretch>
+            <a:fillRect/>
+          </a:stretch>
+        </p:blipFill>
+        <p:spPr>
+          <a:xfrm>
+            <a:off x="185300" y="6409183"/>
+            <a:ext cx="2250142" cy="322024"/>
+          </a:xfrm>
+          <a:prstGeom prst="rect">
+            <a:avLst/>
+          </a:prstGeom>
+        </p:spPr>
+      </p:pic>
     </p:spTree>
     <p:extLst>
       <p:ext uri="{BB962C8B-B14F-4D97-AF65-F5344CB8AC3E}">
@@ -3846,6 +3887,42 @@
           </a:p>
         </p:txBody>
       </p:sp>
+      <p:pic>
+        <p:nvPicPr>
+          <p:cNvPr id="5" name="Resim 4">
+            <a:extLst>
+              <a:ext uri="{FF2B5EF4-FFF2-40B4-BE49-F238E27FC236}">
+                <a16:creationId xmlns:a16="http://schemas.microsoft.com/office/drawing/2014/main" id="{C906596D-2F1C-474F-8602-F11C4096D1FA}"/>
+              </a:ext>
+            </a:extLst>
+          </p:cNvPr>
+          <p:cNvPicPr>
+            <a:picLocks noChangeAspect="1"/>
+          </p:cNvPicPr>
+          <p:nvPr/>
+        </p:nvPicPr>
+        <p:blipFill>
+          <a:blip r:embed="rId3">
+            <a:extLst>
+              <a:ext uri="{28A0092B-C50C-407E-A947-70E740481C1C}">
+                <a14:useLocalDpi xmlns:a14="http://schemas.microsoft.com/office/drawing/2010/main" val="0"/>
+              </a:ext>
+            </a:extLst>
+          </a:blip>
+          <a:stretch>
+            <a:fillRect/>
+          </a:stretch>
+        </p:blipFill>
+        <p:spPr>
+          <a:xfrm>
+            <a:off x="185300" y="6409183"/>
+            <a:ext cx="2250142" cy="322024"/>
+          </a:xfrm>
+          <a:prstGeom prst="rect">
+            <a:avLst/>
+          </a:prstGeom>
+        </p:spPr>
+      </p:pic>
     </p:spTree>
     <p:extLst>
       <p:ext uri="{BB962C8B-B14F-4D97-AF65-F5344CB8AC3E}">
@@ -4023,6 +4100,42 @@
           </a:p>
         </p:txBody>
       </p:sp>
+      <p:pic>
+        <p:nvPicPr>
+          <p:cNvPr id="6" name="Resim 5">
+            <a:extLst>
+              <a:ext uri="{FF2B5EF4-FFF2-40B4-BE49-F238E27FC236}">
+                <a16:creationId xmlns:a16="http://schemas.microsoft.com/office/drawing/2014/main" id="{0F34DB5C-17FD-41FF-9335-E29990AC076F}"/>
+              </a:ext>
+            </a:extLst>
+          </p:cNvPr>
+          <p:cNvPicPr>
+            <a:picLocks noChangeAspect="1"/>
+          </p:cNvPicPr>
+          <p:nvPr/>
+        </p:nvPicPr>
+        <p:blipFill>
+          <a:blip r:embed="rId4">
+            <a:extLst>
+              <a:ext uri="{28A0092B-C50C-407E-A947-70E740481C1C}">
+                <a14:useLocalDpi xmlns:a14="http://schemas.microsoft.com/office/drawing/2010/main" val="0"/>
+              </a:ext>
+            </a:extLst>
+          </a:blip>
+          <a:stretch>
+            <a:fillRect/>
+          </a:stretch>
+        </p:blipFill>
+        <p:spPr>
+          <a:xfrm>
+            <a:off x="185300" y="6409183"/>
+            <a:ext cx="2250142" cy="322024"/>
+          </a:xfrm>
+          <a:prstGeom prst="rect">
+            <a:avLst/>
+          </a:prstGeom>
+        </p:spPr>
+      </p:pic>
     </p:spTree>
     <p:extLst>
       <p:ext uri="{BB962C8B-B14F-4D97-AF65-F5344CB8AC3E}">
@@ -4599,6 +4712,42 @@
           </a:p>
         </p:txBody>
       </p:sp>
+      <p:pic>
+        <p:nvPicPr>
+          <p:cNvPr id="18" name="Resim 17">
+            <a:extLst>
+              <a:ext uri="{FF2B5EF4-FFF2-40B4-BE49-F238E27FC236}">
+                <a16:creationId xmlns:a16="http://schemas.microsoft.com/office/drawing/2014/main" id="{746ACC54-3ECA-48F7-B3BB-B087F2783206}"/>
+              </a:ext>
+            </a:extLst>
+          </p:cNvPr>
+          <p:cNvPicPr>
+            <a:picLocks noChangeAspect="1"/>
+          </p:cNvPicPr>
+          <p:nvPr/>
+        </p:nvPicPr>
+        <p:blipFill>
+          <a:blip r:embed="rId4">
+            <a:extLst>
+              <a:ext uri="{28A0092B-C50C-407E-A947-70E740481C1C}">
+                <a14:useLocalDpi xmlns:a14="http://schemas.microsoft.com/office/drawing/2010/main" val="0"/>
+              </a:ext>
+            </a:extLst>
+          </a:blip>
+          <a:stretch>
+            <a:fillRect/>
+          </a:stretch>
+        </p:blipFill>
+        <p:spPr>
+          <a:xfrm>
+            <a:off x="185300" y="6409183"/>
+            <a:ext cx="2250142" cy="322024"/>
+          </a:xfrm>
+          <a:prstGeom prst="rect">
+            <a:avLst/>
+          </a:prstGeom>
+        </p:spPr>
+      </p:pic>
     </p:spTree>
     <p:extLst>
       <p:ext uri="{BB962C8B-B14F-4D97-AF65-F5344CB8AC3E}">
@@ -5781,6 +5930,42 @@
           </a:p>
         </p:txBody>
       </p:sp>
+      <p:pic>
+        <p:nvPicPr>
+          <p:cNvPr id="13" name="Resim 12">
+            <a:extLst>
+              <a:ext uri="{FF2B5EF4-FFF2-40B4-BE49-F238E27FC236}">
+                <a16:creationId xmlns:a16="http://schemas.microsoft.com/office/drawing/2014/main" id="{9846B556-7A95-42F0-A41A-0FEEC0BF43C5}"/>
+              </a:ext>
+            </a:extLst>
+          </p:cNvPr>
+          <p:cNvPicPr>
+            <a:picLocks noChangeAspect="1"/>
+          </p:cNvPicPr>
+          <p:nvPr/>
+        </p:nvPicPr>
+        <p:blipFill>
+          <a:blip r:embed="rId4">
+            <a:extLst>
+              <a:ext uri="{28A0092B-C50C-407E-A947-70E740481C1C}">
+                <a14:useLocalDpi xmlns:a14="http://schemas.microsoft.com/office/drawing/2010/main" val="0"/>
+              </a:ext>
+            </a:extLst>
+          </a:blip>
+          <a:stretch>
+            <a:fillRect/>
+          </a:stretch>
+        </p:blipFill>
+        <p:spPr>
+          <a:xfrm>
+            <a:off x="185300" y="6409183"/>
+            <a:ext cx="2250142" cy="322024"/>
+          </a:xfrm>
+          <a:prstGeom prst="rect">
+            <a:avLst/>
+          </a:prstGeom>
+        </p:spPr>
+      </p:pic>
     </p:spTree>
     <p:extLst>
       <p:ext uri="{BB962C8B-B14F-4D97-AF65-F5344CB8AC3E}">
@@ -6704,6 +6889,42 @@
           </a:p>
         </p:txBody>
       </p:sp>
+      <p:pic>
+        <p:nvPicPr>
+          <p:cNvPr id="12" name="Resim 11">
+            <a:extLst>
+              <a:ext uri="{FF2B5EF4-FFF2-40B4-BE49-F238E27FC236}">
+                <a16:creationId xmlns:a16="http://schemas.microsoft.com/office/drawing/2014/main" id="{65D9FB18-43FC-458E-BAE2-F71FDCD946C6}"/>
+              </a:ext>
+            </a:extLst>
+          </p:cNvPr>
+          <p:cNvPicPr>
+            <a:picLocks noChangeAspect="1"/>
+          </p:cNvPicPr>
+          <p:nvPr/>
+        </p:nvPicPr>
+        <p:blipFill>
+          <a:blip r:embed="rId2">
+            <a:extLst>
+              <a:ext uri="{28A0092B-C50C-407E-A947-70E740481C1C}">
+                <a14:useLocalDpi xmlns:a14="http://schemas.microsoft.com/office/drawing/2010/main" val="0"/>
+              </a:ext>
+            </a:extLst>
+          </a:blip>
+          <a:stretch>
+            <a:fillRect/>
+          </a:stretch>
+        </p:blipFill>
+        <p:spPr>
+          <a:xfrm>
+            <a:off x="185300" y="6409183"/>
+            <a:ext cx="2250142" cy="322024"/>
+          </a:xfrm>
+          <a:prstGeom prst="rect">
+            <a:avLst/>
+          </a:prstGeom>
+        </p:spPr>
+      </p:pic>
     </p:spTree>
     <p:extLst>
       <p:ext uri="{BB962C8B-B14F-4D97-AF65-F5344CB8AC3E}">
@@ -7597,6 +7818,42 @@
           </a:p>
         </p:txBody>
       </p:sp>
+      <p:pic>
+        <p:nvPicPr>
+          <p:cNvPr id="17" name="Resim 16">
+            <a:extLst>
+              <a:ext uri="{FF2B5EF4-FFF2-40B4-BE49-F238E27FC236}">
+                <a16:creationId xmlns:a16="http://schemas.microsoft.com/office/drawing/2014/main" id="{C55CE116-1CCC-4ABC-ACF4-BDCA39D692C2}"/>
+              </a:ext>
+            </a:extLst>
+          </p:cNvPr>
+          <p:cNvPicPr>
+            <a:picLocks noChangeAspect="1"/>
+          </p:cNvPicPr>
+          <p:nvPr/>
+        </p:nvPicPr>
+        <p:blipFill>
+          <a:blip r:embed="rId2">
+            <a:extLst>
+              <a:ext uri="{28A0092B-C50C-407E-A947-70E740481C1C}">
+                <a14:useLocalDpi xmlns:a14="http://schemas.microsoft.com/office/drawing/2010/main" val="0"/>
+              </a:ext>
+            </a:extLst>
+          </a:blip>
+          <a:stretch>
+            <a:fillRect/>
+          </a:stretch>
+        </p:blipFill>
+        <p:spPr>
+          <a:xfrm>
+            <a:off x="185300" y="6409183"/>
+            <a:ext cx="2250142" cy="322024"/>
+          </a:xfrm>
+          <a:prstGeom prst="rect">
+            <a:avLst/>
+          </a:prstGeom>
+        </p:spPr>
+      </p:pic>
     </p:spTree>
     <p:extLst>
       <p:ext uri="{BB962C8B-B14F-4D97-AF65-F5344CB8AC3E}">
@@ -8869,6 +9126,42 @@
           </a:p>
         </p:txBody>
       </p:sp>
+      <p:pic>
+        <p:nvPicPr>
+          <p:cNvPr id="13" name="Resim 12">
+            <a:extLst>
+              <a:ext uri="{FF2B5EF4-FFF2-40B4-BE49-F238E27FC236}">
+                <a16:creationId xmlns:a16="http://schemas.microsoft.com/office/drawing/2014/main" id="{E8FDF77A-5C40-4A13-9AC1-84A67B2A67FD}"/>
+              </a:ext>
+            </a:extLst>
+          </p:cNvPr>
+          <p:cNvPicPr>
+            <a:picLocks noChangeAspect="1"/>
+          </p:cNvPicPr>
+          <p:nvPr/>
+        </p:nvPicPr>
+        <p:blipFill>
+          <a:blip r:embed="rId2">
+            <a:extLst>
+              <a:ext uri="{28A0092B-C50C-407E-A947-70E740481C1C}">
+                <a14:useLocalDpi xmlns:a14="http://schemas.microsoft.com/office/drawing/2010/main" val="0"/>
+              </a:ext>
+            </a:extLst>
+          </a:blip>
+          <a:stretch>
+            <a:fillRect/>
+          </a:stretch>
+        </p:blipFill>
+        <p:spPr>
+          <a:xfrm>
+            <a:off x="185300" y="6409183"/>
+            <a:ext cx="2250142" cy="322024"/>
+          </a:xfrm>
+          <a:prstGeom prst="rect">
+            <a:avLst/>
+          </a:prstGeom>
+        </p:spPr>
+      </p:pic>
     </p:spTree>
     <p:extLst>
       <p:ext uri="{BB962C8B-B14F-4D97-AF65-F5344CB8AC3E}">
@@ -10113,6 +10406,42 @@
           </a:p>
         </p:txBody>
       </p:sp>
+      <p:pic>
+        <p:nvPicPr>
+          <p:cNvPr id="5" name="Resim 4">
+            <a:extLst>
+              <a:ext uri="{FF2B5EF4-FFF2-40B4-BE49-F238E27FC236}">
+                <a16:creationId xmlns:a16="http://schemas.microsoft.com/office/drawing/2014/main" id="{CA702C21-9917-4A05-85B7-E472A4C5784E}"/>
+              </a:ext>
+            </a:extLst>
+          </p:cNvPr>
+          <p:cNvPicPr>
+            <a:picLocks noChangeAspect="1"/>
+          </p:cNvPicPr>
+          <p:nvPr/>
+        </p:nvPicPr>
+        <p:blipFill>
+          <a:blip r:embed="rId2">
+            <a:extLst>
+              <a:ext uri="{28A0092B-C50C-407E-A947-70E740481C1C}">
+                <a14:useLocalDpi xmlns:a14="http://schemas.microsoft.com/office/drawing/2010/main" val="0"/>
+              </a:ext>
+            </a:extLst>
+          </a:blip>
+          <a:stretch>
+            <a:fillRect/>
+          </a:stretch>
+        </p:blipFill>
+        <p:spPr>
+          <a:xfrm>
+            <a:off x="185300" y="6409183"/>
+            <a:ext cx="2250142" cy="322024"/>
+          </a:xfrm>
+          <a:prstGeom prst="rect">
+            <a:avLst/>
+          </a:prstGeom>
+        </p:spPr>
+      </p:pic>
     </p:spTree>
     <p:extLst>
       <p:ext uri="{BB962C8B-B14F-4D97-AF65-F5344CB8AC3E}">
@@ -11366,6 +11695,42 @@
           <a:xfrm>
             <a:off x="8301115" y="3148054"/>
             <a:ext cx="651747" cy="651747"/>
+          </a:xfrm>
+          <a:prstGeom prst="rect">
+            <a:avLst/>
+          </a:prstGeom>
+        </p:spPr>
+      </p:pic>
+      <p:pic>
+        <p:nvPicPr>
+          <p:cNvPr id="41" name="Resim 40">
+            <a:extLst>
+              <a:ext uri="{FF2B5EF4-FFF2-40B4-BE49-F238E27FC236}">
+                <a16:creationId xmlns:a16="http://schemas.microsoft.com/office/drawing/2014/main" id="{29D12BFB-144C-402D-BBCF-14F50300D98F}"/>
+              </a:ext>
+            </a:extLst>
+          </p:cNvPr>
+          <p:cNvPicPr>
+            <a:picLocks noChangeAspect="1"/>
+          </p:cNvPicPr>
+          <p:nvPr/>
+        </p:nvPicPr>
+        <p:blipFill>
+          <a:blip r:embed="rId6">
+            <a:extLst>
+              <a:ext uri="{28A0092B-C50C-407E-A947-70E740481C1C}">
+                <a14:useLocalDpi xmlns:a14="http://schemas.microsoft.com/office/drawing/2010/main" val="0"/>
+              </a:ext>
+            </a:extLst>
+          </a:blip>
+          <a:stretch>
+            <a:fillRect/>
+          </a:stretch>
+        </p:blipFill>
+        <p:spPr>
+          <a:xfrm>
+            <a:off x="185300" y="6409183"/>
+            <a:ext cx="2250142" cy="322024"/>
           </a:xfrm>
           <a:prstGeom prst="rect">
             <a:avLst/>
@@ -12820,6 +13185,42 @@
           </a:p>
         </p:txBody>
       </p:sp>
+      <p:pic>
+        <p:nvPicPr>
+          <p:cNvPr id="9" name="Resim 8">
+            <a:extLst>
+              <a:ext uri="{FF2B5EF4-FFF2-40B4-BE49-F238E27FC236}">
+                <a16:creationId xmlns:a16="http://schemas.microsoft.com/office/drawing/2014/main" id="{23F57A02-77E2-488A-A4FF-BC734B23F256}"/>
+              </a:ext>
+            </a:extLst>
+          </p:cNvPr>
+          <p:cNvPicPr>
+            <a:picLocks noChangeAspect="1"/>
+          </p:cNvPicPr>
+          <p:nvPr/>
+        </p:nvPicPr>
+        <p:blipFill>
+          <a:blip r:embed="rId3">
+            <a:extLst>
+              <a:ext uri="{28A0092B-C50C-407E-A947-70E740481C1C}">
+                <a14:useLocalDpi xmlns:a14="http://schemas.microsoft.com/office/drawing/2010/main" val="0"/>
+              </a:ext>
+            </a:extLst>
+          </a:blip>
+          <a:stretch>
+            <a:fillRect/>
+          </a:stretch>
+        </p:blipFill>
+        <p:spPr>
+          <a:xfrm>
+            <a:off x="185300" y="6409183"/>
+            <a:ext cx="2250142" cy="322024"/>
+          </a:xfrm>
+          <a:prstGeom prst="rect">
+            <a:avLst/>
+          </a:prstGeom>
+        </p:spPr>
+      </p:pic>
     </p:spTree>
     <p:extLst>
       <p:ext uri="{BB962C8B-B14F-4D97-AF65-F5344CB8AC3E}">
@@ -13143,6 +13544,42 @@
           <a:xfrm>
             <a:off x="3266680" y="1233181"/>
             <a:ext cx="5658640" cy="4391638"/>
+          </a:xfrm>
+          <a:prstGeom prst="rect">
+            <a:avLst/>
+          </a:prstGeom>
+        </p:spPr>
+      </p:pic>
+      <p:pic>
+        <p:nvPicPr>
+          <p:cNvPr id="4" name="Resim 3">
+            <a:extLst>
+              <a:ext uri="{FF2B5EF4-FFF2-40B4-BE49-F238E27FC236}">
+                <a16:creationId xmlns:a16="http://schemas.microsoft.com/office/drawing/2014/main" id="{0BC59B1E-A48F-4029-B6A9-920AE946D4A8}"/>
+              </a:ext>
+            </a:extLst>
+          </p:cNvPr>
+          <p:cNvPicPr>
+            <a:picLocks noChangeAspect="1"/>
+          </p:cNvPicPr>
+          <p:nvPr/>
+        </p:nvPicPr>
+        <p:blipFill>
+          <a:blip r:embed="rId3">
+            <a:extLst>
+              <a:ext uri="{28A0092B-C50C-407E-A947-70E740481C1C}">
+                <a14:useLocalDpi xmlns:a14="http://schemas.microsoft.com/office/drawing/2010/main" val="0"/>
+              </a:ext>
+            </a:extLst>
+          </a:blip>
+          <a:stretch>
+            <a:fillRect/>
+          </a:stretch>
+        </p:blipFill>
+        <p:spPr>
+          <a:xfrm>
+            <a:off x="185300" y="6409183"/>
+            <a:ext cx="2250142" cy="322024"/>
           </a:xfrm>
           <a:prstGeom prst="rect">
             <a:avLst/>

--- a/presentations/04. Makine öğrenmesi tekniklerinin sınıflandırılması.pptx
+++ b/presentations/04. Makine öğrenmesi tekniklerinin sınıflandırılması.pptx
@@ -274,7 +274,7 @@
           <a:p>
             <a:fld id="{02A378A8-3EE8-46D2-BA7C-862F89803D24}" type="datetimeFigureOut">
               <a:rPr lang="en-US" smtClean="0"/>
-              <a:t>10/1/2019</a:t>
+              <a:t>10/2/2019</a:t>
             </a:fld>
             <a:endParaRPr lang="en-US"/>
           </a:p>
@@ -474,7 +474,7 @@
           <a:p>
             <a:fld id="{02A378A8-3EE8-46D2-BA7C-862F89803D24}" type="datetimeFigureOut">
               <a:rPr lang="en-US" smtClean="0"/>
-              <a:t>10/1/2019</a:t>
+              <a:t>10/2/2019</a:t>
             </a:fld>
             <a:endParaRPr lang="en-US"/>
           </a:p>
@@ -684,7 +684,7 @@
           <a:p>
             <a:fld id="{02A378A8-3EE8-46D2-BA7C-862F89803D24}" type="datetimeFigureOut">
               <a:rPr lang="en-US" smtClean="0"/>
-              <a:t>10/1/2019</a:t>
+              <a:t>10/2/2019</a:t>
             </a:fld>
             <a:endParaRPr lang="en-US"/>
           </a:p>
@@ -884,7 +884,7 @@
           <a:p>
             <a:fld id="{02A378A8-3EE8-46D2-BA7C-862F89803D24}" type="datetimeFigureOut">
               <a:rPr lang="en-US" smtClean="0"/>
-              <a:t>10/1/2019</a:t>
+              <a:t>10/2/2019</a:t>
             </a:fld>
             <a:endParaRPr lang="en-US"/>
           </a:p>
@@ -1160,7 +1160,7 @@
           <a:p>
             <a:fld id="{02A378A8-3EE8-46D2-BA7C-862F89803D24}" type="datetimeFigureOut">
               <a:rPr lang="en-US" smtClean="0"/>
-              <a:t>10/1/2019</a:t>
+              <a:t>10/2/2019</a:t>
             </a:fld>
             <a:endParaRPr lang="en-US"/>
           </a:p>
@@ -1428,7 +1428,7 @@
           <a:p>
             <a:fld id="{02A378A8-3EE8-46D2-BA7C-862F89803D24}" type="datetimeFigureOut">
               <a:rPr lang="en-US" smtClean="0"/>
-              <a:t>10/1/2019</a:t>
+              <a:t>10/2/2019</a:t>
             </a:fld>
             <a:endParaRPr lang="en-US"/>
           </a:p>
@@ -1843,7 +1843,7 @@
           <a:p>
             <a:fld id="{02A378A8-3EE8-46D2-BA7C-862F89803D24}" type="datetimeFigureOut">
               <a:rPr lang="en-US" smtClean="0"/>
-              <a:t>10/1/2019</a:t>
+              <a:t>10/2/2019</a:t>
             </a:fld>
             <a:endParaRPr lang="en-US"/>
           </a:p>
@@ -1985,7 +1985,7 @@
           <a:p>
             <a:fld id="{02A378A8-3EE8-46D2-BA7C-862F89803D24}" type="datetimeFigureOut">
               <a:rPr lang="en-US" smtClean="0"/>
-              <a:t>10/1/2019</a:t>
+              <a:t>10/2/2019</a:t>
             </a:fld>
             <a:endParaRPr lang="en-US"/>
           </a:p>
@@ -2098,7 +2098,7 @@
           <a:p>
             <a:fld id="{02A378A8-3EE8-46D2-BA7C-862F89803D24}" type="datetimeFigureOut">
               <a:rPr lang="en-US" smtClean="0"/>
-              <a:t>10/1/2019</a:t>
+              <a:t>10/2/2019</a:t>
             </a:fld>
             <a:endParaRPr lang="en-US"/>
           </a:p>
@@ -2411,7 +2411,7 @@
           <a:p>
             <a:fld id="{02A378A8-3EE8-46D2-BA7C-862F89803D24}" type="datetimeFigureOut">
               <a:rPr lang="en-US" smtClean="0"/>
-              <a:t>10/1/2019</a:t>
+              <a:t>10/2/2019</a:t>
             </a:fld>
             <a:endParaRPr lang="en-US"/>
           </a:p>
@@ -2700,7 +2700,7 @@
           <a:p>
             <a:fld id="{02A378A8-3EE8-46D2-BA7C-862F89803D24}" type="datetimeFigureOut">
               <a:rPr lang="en-US" smtClean="0"/>
-              <a:t>10/1/2019</a:t>
+              <a:t>10/2/2019</a:t>
             </a:fld>
             <a:endParaRPr lang="en-US"/>
           </a:p>
@@ -2943,7 +2943,7 @@
           <a:p>
             <a:fld id="{02A378A8-3EE8-46D2-BA7C-862F89803D24}" type="datetimeFigureOut">
               <a:rPr lang="en-US" smtClean="0"/>
-              <a:t>10/1/2019</a:t>
+              <a:t>10/2/2019</a:t>
             </a:fld>
             <a:endParaRPr lang="en-US"/>
           </a:p>
@@ -4182,7 +4182,7 @@
         </p:nvSpPr>
         <p:spPr bwMode="auto">
           <a:xfrm>
-            <a:off x="1881187" y="441564"/>
+            <a:off x="1881187" y="297923"/>
             <a:ext cx="8429625" cy="493981"/>
           </a:xfrm>
           <a:prstGeom prst="rect">
@@ -4235,51 +4235,8 @@
                 <a:ea typeface="Verdana" panose="020B0604030504040204" pitchFamily="34" charset="0"/>
                 <a:cs typeface="Arial" panose="020B0604020202020204" pitchFamily="34" charset="0"/>
               </a:rPr>
-              <a:t>ONLINE &amp; BATCH LEARNING</a:t>
-            </a:r>
-          </a:p>
-        </p:txBody>
-      </p:sp>
-      <p:sp>
-        <p:nvSpPr>
-          <p:cNvPr id="2" name="Dikdörtgen 1">
-            <a:extLst>
-              <a:ext uri="{FF2B5EF4-FFF2-40B4-BE49-F238E27FC236}">
-                <a16:creationId xmlns:a16="http://schemas.microsoft.com/office/drawing/2014/main" id="{D8CB1167-A7F4-4F43-8F2F-A90EDF5D968E}"/>
-              </a:ext>
-            </a:extLst>
-          </p:cNvPr>
-          <p:cNvSpPr/>
-          <p:nvPr/>
-        </p:nvSpPr>
-        <p:spPr>
-          <a:xfrm>
-            <a:off x="1167150" y="1266678"/>
-            <a:ext cx="1529458" cy="369332"/>
-          </a:xfrm>
-          <a:prstGeom prst="rect">
-            <a:avLst/>
-          </a:prstGeom>
-        </p:spPr>
-        <p:txBody>
-          <a:bodyPr wrap="none">
-            <a:spAutoFit/>
-          </a:bodyPr>
-          <a:lstStyle/>
-          <a:p>
-            <a:r>
-              <a:rPr lang="tr-TR" dirty="0" err="1"/>
-              <a:t>Batch</a:t>
-            </a:r>
-            <a:r>
-              <a:rPr lang="tr-TR" dirty="0"/>
-              <a:t> </a:t>
-            </a:r>
-            <a:r>
-              <a:rPr lang="tr-TR" dirty="0" err="1"/>
-              <a:t>learning</a:t>
-            </a:r>
-            <a:endParaRPr lang="tr-TR" dirty="0"/>
+              <a:t>BATCH LEARNING </a:t>
+            </a:r>
           </a:p>
         </p:txBody>
       </p:sp>
@@ -5539,47 +5496,8 @@
                 <a:ea typeface="Verdana" panose="020B0604030504040204" pitchFamily="34" charset="0"/>
                 <a:cs typeface="Arial" panose="020B0604020202020204" pitchFamily="34" charset="0"/>
               </a:rPr>
-              <a:t>ONLINE &amp; BATCH LEARNING</a:t>
-            </a:r>
-          </a:p>
-        </p:txBody>
-      </p:sp>
-      <p:sp>
-        <p:nvSpPr>
-          <p:cNvPr id="2" name="Dikdörtgen 1">
-            <a:extLst>
-              <a:ext uri="{FF2B5EF4-FFF2-40B4-BE49-F238E27FC236}">
-                <a16:creationId xmlns:a16="http://schemas.microsoft.com/office/drawing/2014/main" id="{D8CB1167-A7F4-4F43-8F2F-A90EDF5D968E}"/>
-              </a:ext>
-            </a:extLst>
-          </p:cNvPr>
-          <p:cNvSpPr/>
-          <p:nvPr/>
-        </p:nvSpPr>
-        <p:spPr>
-          <a:xfrm>
-            <a:off x="1167150" y="1266678"/>
-            <a:ext cx="1619354" cy="369332"/>
-          </a:xfrm>
-          <a:prstGeom prst="rect">
-            <a:avLst/>
-          </a:prstGeom>
-        </p:spPr>
-        <p:txBody>
-          <a:bodyPr wrap="none">
-            <a:spAutoFit/>
-          </a:bodyPr>
-          <a:lstStyle/>
-          <a:p>
-            <a:r>
-              <a:rPr lang="tr-TR" dirty="0"/>
-              <a:t>Online </a:t>
-            </a:r>
-            <a:r>
-              <a:rPr lang="tr-TR" dirty="0" err="1"/>
-              <a:t>learning</a:t>
-            </a:r>
-            <a:endParaRPr lang="tr-TR" dirty="0"/>
+              <a:t>ONLINE LEARNING</a:t>
+            </a:r>
           </a:p>
         </p:txBody>
       </p:sp>
@@ -8907,17 +8825,8 @@
               <a:rPr lang="tr-TR" sz="2200" dirty="0">
                 <a:latin typeface="Roboto"/>
               </a:rPr>
-              <a:t>Sadece mevcut özellikleri </a:t>
-            </a:r>
-            <a:r>
-              <a:rPr lang="tr-TR" sz="2200" dirty="0" err="1">
-                <a:latin typeface="Roboto"/>
-              </a:rPr>
-              <a:t>kullanı</a:t>
-            </a:r>
-            <a:endParaRPr lang="tr-TR" sz="2200" dirty="0">
-              <a:latin typeface="Roboto"/>
-            </a:endParaRPr>
+              <a:t>Sadece mevcut özellikleri kullanır</a:t>
+            </a:r>
           </a:p>
         </p:txBody>
       </p:sp>
